--- a/tableau/Electric Vehicle Data/Electric Vehicle Presentation.pptx
+++ b/tableau/Electric Vehicle Data/Electric Vehicle Presentation.pptx
@@ -7,8 +7,6 @@
   <p:sldIdLst>
     <p:sldId id="256" r:id="rId3"/>
     <p:sldId id="257" r:id="rId4"/>
-    <p:sldId id="258" r:id="rId5"/>
-    <p:sldId id="259" r:id="rId6"/>
   </p:sldIdLst>
   <p:sldSz cx="12192000" cy="6858000"/>
   <p:notesSz cx="6858000" cy="9144000"/>
@@ -3309,36 +3307,6 @@
           </a:p>
         </p:txBody>
       </p:sp>
-      <p:pic>
-        <p:nvPicPr>
-          <p:cNvPr id="9" name="Picture 8"/>
-          <p:cNvPicPr>
-            <a:picLocks noChangeAspect="1"/>
-          </p:cNvPicPr>
-          <p:nvPr/>
-        </p:nvPicPr>
-        <p:blipFill>
-          <a:blip r:embed="rId2">
-            <a:extLst>
-              <a:ext uri="{28A0092B-C50C-407E-A947-70E740481C1C}">
-                <a14:useLocalDpi xmlns:a14="http://schemas.microsoft.com/office/drawing/2010/main" val="0"/>
-              </a:ext>
-            </a:extLst>
-          </a:blip>
-          <a:stretch>
-            <a:fillRect/>
-          </a:stretch>
-        </p:blipFill>
-        <p:spPr>
-          <a:xfrm>
-            <a:off x="11095721" y="97408"/>
-            <a:ext cx="966883" cy="697319"/>
-          </a:xfrm>
-          <a:prstGeom prst="rect">
-            <a:avLst/>
-          </a:prstGeom>
-        </p:spPr>
-      </p:pic>
     </p:spTree>
   </p:cSld>
   <p:clrMapOvr>
@@ -3482,7 +3450,7 @@
         </p:nvSpPr>
         <p:spPr>
           <a:xfrm>
-            <a:off x="129396" y="1031228"/>
+            <a:off x="192261" y="1031228"/>
             <a:ext cx="10834778" cy="5632311"/>
           </a:xfrm>
           <a:prstGeom prst="rect">
@@ -3815,428 +3783,6 @@
           </a:p>
         </p:txBody>
       </p:sp>
-      <p:pic>
-        <p:nvPicPr>
-          <p:cNvPr id="3" name="Picture 2"/>
-          <p:cNvPicPr>
-            <a:picLocks noChangeAspect="1"/>
-          </p:cNvPicPr>
-          <p:nvPr/>
-        </p:nvPicPr>
-        <p:blipFill>
-          <a:blip r:embed="rId2">
-            <a:extLst>
-              <a:ext uri="{28A0092B-C50C-407E-A947-70E740481C1C}">
-                <a14:useLocalDpi xmlns:a14="http://schemas.microsoft.com/office/drawing/2010/main" val="0"/>
-              </a:ext>
-            </a:extLst>
-          </a:blip>
-          <a:stretch>
-            <a:fillRect/>
-          </a:stretch>
-        </p:blipFill>
-        <p:spPr>
-          <a:xfrm>
-            <a:off x="11095721" y="97408"/>
-            <a:ext cx="966883" cy="697319"/>
-          </a:xfrm>
-          <a:prstGeom prst="rect">
-            <a:avLst/>
-          </a:prstGeom>
-        </p:spPr>
-      </p:pic>
-    </p:spTree>
-  </p:cSld>
-  <p:clrMapOvr>
-    <a:masterClrMapping/>
-  </p:clrMapOvr>
-</p:sld>
-</file>
-
-<file path=ppt/slides/slide3.xml><?xml version="1.0" encoding="utf-8"?>
-<p:sld xmlns:a="http://schemas.openxmlformats.org/drawingml/2006/main" xmlns:r="http://schemas.openxmlformats.org/officeDocument/2006/relationships" xmlns:p="http://schemas.openxmlformats.org/presentationml/2006/main">
-  <p:cSld>
-    <p:bg>
-      <p:bgPr>
-        <a:solidFill>
-          <a:srgbClr val="2C451B"/>
-        </a:solidFill>
-        <a:effectLst/>
-      </p:bgPr>
-    </p:bg>
-    <p:spTree>
-      <p:nvGrpSpPr>
-        <p:cNvPr id="1" name=""/>
-        <p:cNvGrpSpPr/>
-        <p:nvPr/>
-      </p:nvGrpSpPr>
-      <p:grpSpPr>
-        <a:xfrm>
-          <a:off x="0" y="0"/>
-          <a:ext cx="0" cy="0"/>
-          <a:chOff x="0" y="0"/>
-          <a:chExt cx="0" cy="0"/>
-        </a:xfrm>
-      </p:grpSpPr>
-      <p:pic>
-        <p:nvPicPr>
-          <p:cNvPr id="5" name="Picture 4"/>
-          <p:cNvPicPr>
-            <a:picLocks noChangeAspect="1"/>
-          </p:cNvPicPr>
-          <p:nvPr/>
-        </p:nvPicPr>
-        <p:blipFill>
-          <a:blip r:embed="rId1">
-            <a:alphaModFix amt="5000"/>
-          </a:blip>
-          <a:stretch>
-            <a:fillRect/>
-          </a:stretch>
-        </p:blipFill>
-        <p:spPr>
-          <a:xfrm>
-            <a:off x="82" y="0"/>
-            <a:ext cx="12191918" cy="6858000"/>
-          </a:xfrm>
-          <a:prstGeom prst="rect">
-            <a:avLst/>
-          </a:prstGeom>
-        </p:spPr>
-      </p:pic>
-      <p:pic>
-        <p:nvPicPr>
-          <p:cNvPr id="2" name="Picture 1"/>
-          <p:cNvPicPr>
-            <a:picLocks noChangeAspect="1"/>
-          </p:cNvPicPr>
-          <p:nvPr/>
-        </p:nvPicPr>
-        <p:blipFill>
-          <a:blip r:embed="rId2">
-            <a:extLst>
-              <a:ext uri="{28A0092B-C50C-407E-A947-70E740481C1C}">
-                <a14:useLocalDpi xmlns:a14="http://schemas.microsoft.com/office/drawing/2010/main" val="0"/>
-              </a:ext>
-            </a:extLst>
-          </a:blip>
-          <a:stretch>
-            <a:fillRect/>
-          </a:stretch>
-        </p:blipFill>
-        <p:spPr>
-          <a:xfrm>
-            <a:off x="5129117" y="218501"/>
-            <a:ext cx="1933766" cy="1394638"/>
-          </a:xfrm>
-          <a:prstGeom prst="rect">
-            <a:avLst/>
-          </a:prstGeom>
-        </p:spPr>
-      </p:pic>
-      <p:pic>
-        <p:nvPicPr>
-          <p:cNvPr id="3" name="Picture 4" descr="Subscribe button with like comment and share icon free png 19818545 PNG"/>
-          <p:cNvPicPr>
-            <a:picLocks noChangeAspect="1" noChangeArrowheads="1"/>
-          </p:cNvPicPr>
-          <p:nvPr/>
-        </p:nvPicPr>
-        <p:blipFill>
-          <a:blip r:embed="rId3">
-            <a:extLst>
-              <a:ext uri="{28A0092B-C50C-407E-A947-70E740481C1C}">
-                <a14:useLocalDpi xmlns:a14="http://schemas.microsoft.com/office/drawing/2010/main" val="0"/>
-              </a:ext>
-            </a:extLst>
-          </a:blip>
-          <a:srcRect/>
-          <a:stretch>
-            <a:fillRect/>
-          </a:stretch>
-        </p:blipFill>
-        <p:spPr bwMode="auto">
-          <a:xfrm>
-            <a:off x="3144327" y="3318869"/>
-            <a:ext cx="5903343" cy="3320630"/>
-          </a:xfrm>
-          <a:prstGeom prst="rect">
-            <a:avLst/>
-          </a:prstGeom>
-          <a:noFill/>
-          <a:extLst>
-            <a:ext uri="{909E8E84-426E-40DD-AFC4-6F175D3DCCD1}">
-              <a14:hiddenFill xmlns:a14="http://schemas.microsoft.com/office/drawing/2010/main">
-                <a:solidFill>
-                  <a:srgbClr val="FFFFFF"/>
-                </a:solidFill>
-              </a14:hiddenFill>
-            </a:ext>
-          </a:extLst>
-        </p:spPr>
-      </p:pic>
-      <p:pic>
-        <p:nvPicPr>
-          <p:cNvPr id="10" name="Picture 9"/>
-          <p:cNvPicPr>
-            <a:picLocks noChangeAspect="1"/>
-          </p:cNvPicPr>
-          <p:nvPr/>
-        </p:nvPicPr>
-        <p:blipFill>
-          <a:blip r:embed="rId4">
-            <a:extLst>
-              <a:ext uri="{28A0092B-C50C-407E-A947-70E740481C1C}">
-                <a14:useLocalDpi xmlns:a14="http://schemas.microsoft.com/office/drawing/2010/main" val="0"/>
-              </a:ext>
-            </a:extLst>
-          </a:blip>
-          <a:stretch>
-            <a:fillRect/>
-          </a:stretch>
-        </p:blipFill>
-        <p:spPr>
-          <a:xfrm>
-            <a:off x="1038564" y="1956944"/>
-            <a:ext cx="8861381" cy="2552380"/>
-          </a:xfrm>
-          <a:prstGeom prst="rect">
-            <a:avLst/>
-          </a:prstGeom>
-        </p:spPr>
-      </p:pic>
-    </p:spTree>
-  </p:cSld>
-  <p:clrMapOvr>
-    <a:masterClrMapping/>
-  </p:clrMapOvr>
-</p:sld>
-</file>
-
-<file path=ppt/slides/slide4.xml><?xml version="1.0" encoding="utf-8"?>
-<p:sld xmlns:a="http://schemas.openxmlformats.org/drawingml/2006/main" xmlns:r="http://schemas.openxmlformats.org/officeDocument/2006/relationships" xmlns:p="http://schemas.openxmlformats.org/presentationml/2006/main">
-  <p:cSld>
-    <p:bg>
-      <p:bgPr>
-        <a:solidFill>
-          <a:srgbClr val="2C451B"/>
-        </a:solidFill>
-        <a:effectLst/>
-      </p:bgPr>
-    </p:bg>
-    <p:spTree>
-      <p:nvGrpSpPr>
-        <p:cNvPr id="1" name=""/>
-        <p:cNvGrpSpPr/>
-        <p:nvPr/>
-      </p:nvGrpSpPr>
-      <p:grpSpPr>
-        <a:xfrm>
-          <a:off x="0" y="0"/>
-          <a:ext cx="0" cy="0"/>
-          <a:chOff x="0" y="0"/>
-          <a:chExt cx="0" cy="0"/>
-        </a:xfrm>
-      </p:grpSpPr>
-      <p:pic>
-        <p:nvPicPr>
-          <p:cNvPr id="5" name="Picture 4"/>
-          <p:cNvPicPr>
-            <a:picLocks noChangeAspect="1"/>
-          </p:cNvPicPr>
-          <p:nvPr/>
-        </p:nvPicPr>
-        <p:blipFill>
-          <a:blip r:embed="rId1">
-            <a:alphaModFix amt="5000"/>
-          </a:blip>
-          <a:stretch>
-            <a:fillRect/>
-          </a:stretch>
-        </p:blipFill>
-        <p:spPr>
-          <a:xfrm>
-            <a:off x="82" y="0"/>
-            <a:ext cx="12191918" cy="6858000"/>
-          </a:xfrm>
-          <a:prstGeom prst="rect">
-            <a:avLst/>
-          </a:prstGeom>
-        </p:spPr>
-      </p:pic>
-      <p:sp>
-        <p:nvSpPr>
-          <p:cNvPr id="4" name="TextBox 3"/>
-          <p:cNvSpPr txBox="1"/>
-          <p:nvPr/>
-        </p:nvSpPr>
-        <p:spPr>
-          <a:xfrm>
-            <a:off x="120770" y="0"/>
-            <a:ext cx="7712015" cy="707886"/>
-          </a:xfrm>
-          <a:prstGeom prst="rect">
-            <a:avLst/>
-          </a:prstGeom>
-          <a:noFill/>
-        </p:spPr>
-        <p:txBody>
-          <a:bodyPr wrap="square" rtlCol="0">
-            <a:spAutoFit/>
-          </a:bodyPr>
-          <a:lstStyle/>
-          <a:p>
-            <a:r>
-              <a:rPr lang="en-IN" sz="4000" b="1" dirty="0">
-                <a:solidFill>
-                  <a:schemeClr val="bg1"/>
-                </a:solidFill>
-              </a:rPr>
-              <a:t>SOFTWARES USED</a:t>
-            </a:r>
-            <a:endParaRPr lang="en-IN" sz="4000" b="1" dirty="0">
-              <a:solidFill>
-                <a:schemeClr val="bg1"/>
-              </a:solidFill>
-            </a:endParaRPr>
-          </a:p>
-        </p:txBody>
-      </p:sp>
-      <p:sp>
-        <p:nvSpPr>
-          <p:cNvPr id="6" name="TextBox 5"/>
-          <p:cNvSpPr txBox="1"/>
-          <p:nvPr/>
-        </p:nvSpPr>
-        <p:spPr>
-          <a:xfrm>
-            <a:off x="327804" y="1366935"/>
-            <a:ext cx="8648700" cy="1246495"/>
-          </a:xfrm>
-          <a:prstGeom prst="rect">
-            <a:avLst/>
-          </a:prstGeom>
-          <a:noFill/>
-        </p:spPr>
-        <p:txBody>
-          <a:bodyPr wrap="square" rtlCol="0">
-            <a:spAutoFit/>
-          </a:bodyPr>
-          <a:lstStyle/>
-          <a:p>
-            <a:r>
-              <a:rPr lang="en-IN" sz="2500" b="1" dirty="0">
-                <a:solidFill>
-                  <a:srgbClr val="FFC000"/>
-                </a:solidFill>
-                <a:latin typeface="Century Gothic" panose="020B0502020202020204" pitchFamily="34" charset="0"/>
-              </a:rPr>
-              <a:t>1. MS OFFICE/ EXCEL: </a:t>
-            </a:r>
-            <a:r>
-              <a:rPr lang="en-IN" sz="2500" b="1" dirty="0">
-                <a:solidFill>
-                  <a:schemeClr val="bg1">
-                    <a:lumMod val="95000"/>
-                  </a:schemeClr>
-                </a:solidFill>
-                <a:latin typeface="Century Gothic" panose="020B0502020202020204" pitchFamily="34" charset="0"/>
-              </a:rPr>
-              <a:t>VERSION 2021</a:t>
-            </a:r>
-            <a:endParaRPr lang="en-IN" sz="2500" b="1" dirty="0">
-              <a:solidFill>
-                <a:schemeClr val="bg1">
-                  <a:lumMod val="95000"/>
-                </a:schemeClr>
-              </a:solidFill>
-              <a:latin typeface="Century Gothic" panose="020B0502020202020204" pitchFamily="34" charset="0"/>
-            </a:endParaRPr>
-          </a:p>
-          <a:p>
-            <a:endParaRPr lang="en-IN" sz="2500" b="1" dirty="0">
-              <a:solidFill>
-                <a:schemeClr val="bg1">
-                  <a:lumMod val="95000"/>
-                </a:schemeClr>
-              </a:solidFill>
-              <a:latin typeface="Century Gothic" panose="020B0502020202020204" pitchFamily="34" charset="0"/>
-            </a:endParaRPr>
-          </a:p>
-          <a:p>
-            <a:r>
-              <a:rPr lang="en-IN" sz="2500" b="1" dirty="0">
-                <a:solidFill>
-                  <a:srgbClr val="FFC000"/>
-                </a:solidFill>
-                <a:latin typeface="Century Gothic" panose="020B0502020202020204" pitchFamily="34" charset="0"/>
-              </a:rPr>
-              <a:t>2. POWER BI</a:t>
-            </a:r>
-            <a:r>
-              <a:rPr lang="en-IN" sz="2500" b="1" dirty="0">
-                <a:solidFill>
-                  <a:schemeClr val="accent6">
-                    <a:lumMod val="60000"/>
-                    <a:lumOff val="40000"/>
-                  </a:schemeClr>
-                </a:solidFill>
-                <a:latin typeface="Century Gothic" panose="020B0502020202020204" pitchFamily="34" charset="0"/>
-              </a:rPr>
-              <a:t>: </a:t>
-            </a:r>
-            <a:r>
-              <a:rPr lang="en-IN" sz="2500" b="1" dirty="0">
-                <a:solidFill>
-                  <a:schemeClr val="bg1">
-                    <a:lumMod val="95000"/>
-                  </a:schemeClr>
-                </a:solidFill>
-                <a:latin typeface="Century Gothic" panose="020B0502020202020204" pitchFamily="34" charset="0"/>
-              </a:rPr>
-              <a:t>Dec 2023 Version </a:t>
-            </a:r>
-            <a:endParaRPr lang="en-IN" sz="2500" b="1" dirty="0">
-              <a:solidFill>
-                <a:schemeClr val="bg1">
-                  <a:lumMod val="95000"/>
-                </a:schemeClr>
-              </a:solidFill>
-              <a:latin typeface="Century Gothic" panose="020B0502020202020204" pitchFamily="34" charset="0"/>
-            </a:endParaRPr>
-          </a:p>
-        </p:txBody>
-      </p:sp>
-      <p:pic>
-        <p:nvPicPr>
-          <p:cNvPr id="8" name="Picture 7"/>
-          <p:cNvPicPr>
-            <a:picLocks noChangeAspect="1"/>
-          </p:cNvPicPr>
-          <p:nvPr/>
-        </p:nvPicPr>
-        <p:blipFill>
-          <a:blip r:embed="rId2">
-            <a:extLst>
-              <a:ext uri="{28A0092B-C50C-407E-A947-70E740481C1C}">
-                <a14:useLocalDpi xmlns:a14="http://schemas.microsoft.com/office/drawing/2010/main" val="0"/>
-              </a:ext>
-            </a:extLst>
-          </a:blip>
-          <a:stretch>
-            <a:fillRect/>
-          </a:stretch>
-        </p:blipFill>
-        <p:spPr>
-          <a:xfrm>
-            <a:off x="11095721" y="97408"/>
-            <a:ext cx="966883" cy="697319"/>
-          </a:xfrm>
-          <a:prstGeom prst="rect">
-            <a:avLst/>
-          </a:prstGeom>
-        </p:spPr>
-      </p:pic>
     </p:spTree>
   </p:cSld>
   <p:clrMapOvr>
